--- a/Calendario2022/Presentaciones/5_Capa_fisica.pptx
+++ b/Calendario2022/Presentaciones/5_Capa_fisica.pptx
@@ -5,7 +5,7 @@
     <p:sldMasterId id="2147483648" r:id="rId1"/>
   </p:sldMasterIdLst>
   <p:notesMasterIdLst>
-    <p:notesMasterId r:id="rId20"/>
+    <p:notesMasterId r:id="rId21"/>
   </p:notesMasterIdLst>
   <p:sldIdLst>
     <p:sldId id="257" r:id="rId2"/>
@@ -23,9 +23,10 @@
     <p:sldId id="819" r:id="rId14"/>
     <p:sldId id="820" r:id="rId15"/>
     <p:sldId id="821" r:id="rId16"/>
-    <p:sldId id="822" r:id="rId17"/>
-    <p:sldId id="823" r:id="rId18"/>
-    <p:sldId id="296" r:id="rId19"/>
+    <p:sldId id="824" r:id="rId17"/>
+    <p:sldId id="822" r:id="rId18"/>
+    <p:sldId id="823" r:id="rId19"/>
+    <p:sldId id="296" r:id="rId20"/>
   </p:sldIdLst>
   <p:sldSz cx="9144000" cy="6858000" type="screen4x3"/>
   <p:notesSz cx="7023100" cy="9309100"/>
@@ -225,7 +226,7 @@
           <a:p>
             <a:fld id="{2D445F07-8756-451B-A938-0248325FC7BB}" type="datetimeFigureOut">
               <a:rPr lang="es-MX" smtClean="0"/>
-              <a:t>24/04/2022</a:t>
+              <a:t>15/05/2022</a:t>
             </a:fld>
             <a:endParaRPr lang="es-MX" dirty="0"/>
           </a:p>
@@ -1069,7 +1070,7 @@
     </p:spTree>
     <p:extLst>
       <p:ext uri="{BB962C8B-B14F-4D97-AF65-F5344CB8AC3E}">
-        <p14:creationId xmlns:p14="http://schemas.microsoft.com/office/powerpoint/2010/main" val="1351190187"/>
+        <p14:creationId xmlns:p14="http://schemas.microsoft.com/office/powerpoint/2010/main" val="3686634697"/>
       </p:ext>
     </p:extLst>
   </p:cSld>
@@ -1320,6 +1321,257 @@
     </p:spTree>
     <p:extLst>
       <p:ext uri="{BB962C8B-B14F-4D97-AF65-F5344CB8AC3E}">
+        <p14:creationId xmlns:p14="http://schemas.microsoft.com/office/powerpoint/2010/main" val="1351190187"/>
+      </p:ext>
+    </p:extLst>
+  </p:cSld>
+  <p:clrMapOvr>
+    <a:masterClrMapping/>
+  </p:clrMapOvr>
+</p:notes>
+</file>
+
+<file path=ppt/notesSlides/notesSlide13.xml><?xml version="1.0" encoding="utf-8"?>
+<p:notes xmlns:a="http://schemas.openxmlformats.org/drawingml/2006/main" xmlns:r="http://schemas.openxmlformats.org/officeDocument/2006/relationships" xmlns:p="http://schemas.openxmlformats.org/presentationml/2006/main">
+  <p:cSld>
+    <p:spTree>
+      <p:nvGrpSpPr>
+        <p:cNvPr id="1" name=""/>
+        <p:cNvGrpSpPr/>
+        <p:nvPr/>
+      </p:nvGrpSpPr>
+      <p:grpSpPr>
+        <a:xfrm>
+          <a:off x="0" y="0"/>
+          <a:ext cx="0" cy="0"/>
+          <a:chOff x="0" y="0"/>
+          <a:chExt cx="0" cy="0"/>
+        </a:xfrm>
+      </p:grpSpPr>
+      <p:sp>
+        <p:nvSpPr>
+          <p:cNvPr id="40962" name="1 Marcador de imagen de diapositiva"/>
+          <p:cNvSpPr>
+            <a:spLocks noGrp="1" noRot="1" noChangeAspect="1" noTextEdit="1"/>
+          </p:cNvSpPr>
+          <p:nvPr>
+            <p:ph type="sldImg"/>
+          </p:nvPr>
+        </p:nvSpPr>
+        <p:spPr bwMode="auto">
+          <a:noFill/>
+          <a:ln>
+            <a:solidFill>
+              <a:srgbClr val="000000"/>
+            </a:solidFill>
+            <a:miter lim="800000"/>
+            <a:headEnd/>
+            <a:tailEnd/>
+          </a:ln>
+          <a:extLst>
+            <a:ext uri="{909E8E84-426E-40DD-AFC4-6F175D3DCCD1}">
+              <a14:hiddenFill xmlns:a14="http://schemas.microsoft.com/office/drawing/2010/main">
+                <a:solidFill>
+                  <a:srgbClr val="FFFFFF"/>
+                </a:solidFill>
+              </a14:hiddenFill>
+            </a:ext>
+          </a:extLst>
+        </p:spPr>
+      </p:sp>
+      <p:sp>
+        <p:nvSpPr>
+          <p:cNvPr id="40963" name="2 Marcador de notas"/>
+          <p:cNvSpPr>
+            <a:spLocks noGrp="1"/>
+          </p:cNvSpPr>
+          <p:nvPr>
+            <p:ph type="body" idx="1"/>
+          </p:nvPr>
+        </p:nvSpPr>
+        <p:spPr bwMode="auto">
+          <a:noFill/>
+          <a:extLst>
+            <a:ext uri="{909E8E84-426E-40DD-AFC4-6F175D3DCCD1}">
+              <a14:hiddenFill xmlns:a14="http://schemas.microsoft.com/office/drawing/2010/main">
+                <a:solidFill>
+                  <a:srgbClr val="FFFFFF"/>
+                </a:solidFill>
+              </a14:hiddenFill>
+            </a:ext>
+            <a:ext uri="{91240B29-F687-4F45-9708-019B960494DF}">
+              <a14:hiddenLine xmlns:a14="http://schemas.microsoft.com/office/drawing/2010/main" w="9525">
+                <a:solidFill>
+                  <a:srgbClr val="000000"/>
+                </a:solidFill>
+                <a:miter lim="800000"/>
+                <a:headEnd/>
+                <a:tailEnd/>
+              </a14:hiddenLine>
+            </a:ext>
+          </a:extLst>
+        </p:spPr>
+        <p:txBody>
+          <a:bodyPr wrap="square" numCol="1" anchor="t" anchorCtr="0" compatLnSpc="1">
+            <a:prstTxWarp prst="textNoShape">
+              <a:avLst/>
+            </a:prstTxWarp>
+          </a:bodyPr>
+          <a:lstStyle/>
+          <a:p>
+            <a:endParaRPr lang="es-MX" dirty="0"/>
+          </a:p>
+        </p:txBody>
+      </p:sp>
+      <p:sp>
+        <p:nvSpPr>
+          <p:cNvPr id="40964" name="3 Marcador de número de diapositiva"/>
+          <p:cNvSpPr>
+            <a:spLocks noGrp="1"/>
+          </p:cNvSpPr>
+          <p:nvPr>
+            <p:ph type="sldNum" sz="quarter" idx="5"/>
+          </p:nvPr>
+        </p:nvSpPr>
+        <p:spPr bwMode="auto">
+          <a:noFill/>
+          <a:extLst>
+            <a:ext uri="{909E8E84-426E-40DD-AFC4-6F175D3DCCD1}">
+              <a14:hiddenFill xmlns:a14="http://schemas.microsoft.com/office/drawing/2010/main">
+                <a:solidFill>
+                  <a:srgbClr val="FFFFFF"/>
+                </a:solidFill>
+              </a14:hiddenFill>
+            </a:ext>
+            <a:ext uri="{91240B29-F687-4F45-9708-019B960494DF}">
+              <a14:hiddenLine xmlns:a14="http://schemas.microsoft.com/office/drawing/2010/main" w="9525">
+                <a:solidFill>
+                  <a:srgbClr val="000000"/>
+                </a:solidFill>
+                <a:miter lim="800000"/>
+                <a:headEnd/>
+                <a:tailEnd/>
+              </a14:hiddenLine>
+            </a:ext>
+          </a:extLst>
+        </p:spPr>
+        <p:txBody>
+          <a:bodyPr wrap="square" numCol="1" anchorCtr="0" compatLnSpc="1">
+            <a:prstTxWarp prst="textNoShape">
+              <a:avLst/>
+            </a:prstTxWarp>
+          </a:bodyPr>
+          <a:lstStyle>
+            <a:lvl1pPr eaLnBrk="0" hangingPunct="0">
+              <a:defRPr sz="2400">
+                <a:solidFill>
+                  <a:schemeClr val="tx1"/>
+                </a:solidFill>
+                <a:latin typeface="Times New Roman" pitchFamily="18" charset="0"/>
+              </a:defRPr>
+            </a:lvl1pPr>
+            <a:lvl2pPr marL="752472" indent="-289412" eaLnBrk="0" hangingPunct="0">
+              <a:defRPr sz="2400">
+                <a:solidFill>
+                  <a:schemeClr val="tx1"/>
+                </a:solidFill>
+                <a:latin typeface="Times New Roman" pitchFamily="18" charset="0"/>
+              </a:defRPr>
+            </a:lvl2pPr>
+            <a:lvl3pPr marL="1157650" indent="-231530" eaLnBrk="0" hangingPunct="0">
+              <a:defRPr sz="2400">
+                <a:solidFill>
+                  <a:schemeClr val="tx1"/>
+                </a:solidFill>
+                <a:latin typeface="Times New Roman" pitchFamily="18" charset="0"/>
+              </a:defRPr>
+            </a:lvl3pPr>
+            <a:lvl4pPr marL="1620709" indent="-231530" eaLnBrk="0" hangingPunct="0">
+              <a:defRPr sz="2400">
+                <a:solidFill>
+                  <a:schemeClr val="tx1"/>
+                </a:solidFill>
+                <a:latin typeface="Times New Roman" pitchFamily="18" charset="0"/>
+              </a:defRPr>
+            </a:lvl4pPr>
+            <a:lvl5pPr marL="2083770" indent="-231530" eaLnBrk="0" hangingPunct="0">
+              <a:defRPr sz="2400">
+                <a:solidFill>
+                  <a:schemeClr val="tx1"/>
+                </a:solidFill>
+                <a:latin typeface="Times New Roman" pitchFamily="18" charset="0"/>
+              </a:defRPr>
+            </a:lvl5pPr>
+            <a:lvl6pPr marL="2546830" indent="-231530" eaLnBrk="0" fontAlgn="base" hangingPunct="0">
+              <a:spcBef>
+                <a:spcPct val="0"/>
+              </a:spcBef>
+              <a:spcAft>
+                <a:spcPct val="0"/>
+              </a:spcAft>
+              <a:defRPr sz="2400">
+                <a:solidFill>
+                  <a:schemeClr val="tx1"/>
+                </a:solidFill>
+                <a:latin typeface="Times New Roman" pitchFamily="18" charset="0"/>
+              </a:defRPr>
+            </a:lvl6pPr>
+            <a:lvl7pPr marL="3009889" indent="-231530" eaLnBrk="0" fontAlgn="base" hangingPunct="0">
+              <a:spcBef>
+                <a:spcPct val="0"/>
+              </a:spcBef>
+              <a:spcAft>
+                <a:spcPct val="0"/>
+              </a:spcAft>
+              <a:defRPr sz="2400">
+                <a:solidFill>
+                  <a:schemeClr val="tx1"/>
+                </a:solidFill>
+                <a:latin typeface="Times New Roman" pitchFamily="18" charset="0"/>
+              </a:defRPr>
+            </a:lvl7pPr>
+            <a:lvl8pPr marL="3472950" indent="-231530" eaLnBrk="0" fontAlgn="base" hangingPunct="0">
+              <a:spcBef>
+                <a:spcPct val="0"/>
+              </a:spcBef>
+              <a:spcAft>
+                <a:spcPct val="0"/>
+              </a:spcAft>
+              <a:defRPr sz="2400">
+                <a:solidFill>
+                  <a:schemeClr val="tx1"/>
+                </a:solidFill>
+                <a:latin typeface="Times New Roman" pitchFamily="18" charset="0"/>
+              </a:defRPr>
+            </a:lvl8pPr>
+            <a:lvl9pPr marL="3936009" indent="-231530" eaLnBrk="0" fontAlgn="base" hangingPunct="0">
+              <a:spcBef>
+                <a:spcPct val="0"/>
+              </a:spcBef>
+              <a:spcAft>
+                <a:spcPct val="0"/>
+              </a:spcAft>
+              <a:defRPr sz="2400">
+                <a:solidFill>
+                  <a:schemeClr val="tx1"/>
+                </a:solidFill>
+                <a:latin typeface="Times New Roman" pitchFamily="18" charset="0"/>
+              </a:defRPr>
+            </a:lvl9pPr>
+          </a:lstStyle>
+          <a:p>
+            <a:fld id="{56F04661-FEDA-4297-9392-E99059580857}" type="slidenum">
+              <a:rPr lang="es-MX" sz="1200"/>
+              <a:pPr/>
+              <a:t>18</a:t>
+            </a:fld>
+            <a:endParaRPr lang="es-MX" sz="1200"/>
+          </a:p>
+        </p:txBody>
+      </p:sp>
+    </p:spTree>
+    <p:extLst>
+      <p:ext uri="{BB962C8B-B14F-4D97-AF65-F5344CB8AC3E}">
         <p14:creationId xmlns:p14="http://schemas.microsoft.com/office/powerpoint/2010/main" val="1445283806"/>
       </p:ext>
     </p:extLst>
@@ -1330,7 +1582,7 @@
 </p:notes>
 </file>
 
-<file path=ppt/notesSlides/notesSlide13.xml><?xml version="1.0" encoding="utf-8"?>
+<file path=ppt/notesSlides/notesSlide14.xml><?xml version="1.0" encoding="utf-8"?>
 <p:notes xmlns:a="http://schemas.openxmlformats.org/drawingml/2006/main" xmlns:r="http://schemas.openxmlformats.org/officeDocument/2006/relationships" xmlns:p="http://schemas.openxmlformats.org/presentationml/2006/main">
   <p:cSld>
     <p:spTree>
@@ -1562,7 +1814,7 @@
             <a:fld id="{360DD413-231F-4AC9-8686-13F53941A84A}" type="slidenum">
               <a:rPr lang="es-MX" sz="1200"/>
               <a:pPr/>
-              <a:t>18</a:t>
+              <a:t>19</a:t>
             </a:fld>
             <a:endParaRPr lang="es-MX" sz="1200"/>
           </a:p>
@@ -3606,7 +3858,7 @@
           <a:p>
             <a:fld id="{5E75A0DC-66C6-4CEC-A5EB-F8C97CEC3796}" type="datetimeFigureOut">
               <a:rPr lang="es-MX" smtClean="0"/>
-              <a:t>24/04/2022</a:t>
+              <a:t>15/05/2022</a:t>
             </a:fld>
             <a:endParaRPr lang="es-MX" dirty="0"/>
           </a:p>
@@ -3776,7 +4028,7 @@
           <a:p>
             <a:fld id="{5E75A0DC-66C6-4CEC-A5EB-F8C97CEC3796}" type="datetimeFigureOut">
               <a:rPr lang="es-MX" smtClean="0"/>
-              <a:t>24/04/2022</a:t>
+              <a:t>15/05/2022</a:t>
             </a:fld>
             <a:endParaRPr lang="es-MX" dirty="0"/>
           </a:p>
@@ -3956,7 +4208,7 @@
           <a:p>
             <a:fld id="{5E75A0DC-66C6-4CEC-A5EB-F8C97CEC3796}" type="datetimeFigureOut">
               <a:rPr lang="es-MX" smtClean="0"/>
-              <a:t>24/04/2022</a:t>
+              <a:t>15/05/2022</a:t>
             </a:fld>
             <a:endParaRPr lang="es-MX" dirty="0"/>
           </a:p>
@@ -4126,7 +4378,7 @@
           <a:p>
             <a:fld id="{5E75A0DC-66C6-4CEC-A5EB-F8C97CEC3796}" type="datetimeFigureOut">
               <a:rPr lang="es-MX" smtClean="0"/>
-              <a:t>24/04/2022</a:t>
+              <a:t>15/05/2022</a:t>
             </a:fld>
             <a:endParaRPr lang="es-MX" dirty="0"/>
           </a:p>
@@ -4372,7 +4624,7 @@
           <a:p>
             <a:fld id="{5E75A0DC-66C6-4CEC-A5EB-F8C97CEC3796}" type="datetimeFigureOut">
               <a:rPr lang="es-MX" smtClean="0"/>
-              <a:t>24/04/2022</a:t>
+              <a:t>15/05/2022</a:t>
             </a:fld>
             <a:endParaRPr lang="es-MX" dirty="0"/>
           </a:p>
@@ -4660,7 +4912,7 @@
           <a:p>
             <a:fld id="{5E75A0DC-66C6-4CEC-A5EB-F8C97CEC3796}" type="datetimeFigureOut">
               <a:rPr lang="es-MX" smtClean="0"/>
-              <a:t>24/04/2022</a:t>
+              <a:t>15/05/2022</a:t>
             </a:fld>
             <a:endParaRPr lang="es-MX" dirty="0"/>
           </a:p>
@@ -5082,7 +5334,7 @@
           <a:p>
             <a:fld id="{5E75A0DC-66C6-4CEC-A5EB-F8C97CEC3796}" type="datetimeFigureOut">
               <a:rPr lang="es-MX" smtClean="0"/>
-              <a:t>24/04/2022</a:t>
+              <a:t>15/05/2022</a:t>
             </a:fld>
             <a:endParaRPr lang="es-MX" dirty="0"/>
           </a:p>
@@ -5200,7 +5452,7 @@
           <a:p>
             <a:fld id="{5E75A0DC-66C6-4CEC-A5EB-F8C97CEC3796}" type="datetimeFigureOut">
               <a:rPr lang="es-MX" smtClean="0"/>
-              <a:t>24/04/2022</a:t>
+              <a:t>15/05/2022</a:t>
             </a:fld>
             <a:endParaRPr lang="es-MX" dirty="0"/>
           </a:p>
@@ -5295,7 +5547,7 @@
           <a:p>
             <a:fld id="{5E75A0DC-66C6-4CEC-A5EB-F8C97CEC3796}" type="datetimeFigureOut">
               <a:rPr lang="es-MX" smtClean="0"/>
-              <a:t>24/04/2022</a:t>
+              <a:t>15/05/2022</a:t>
             </a:fld>
             <a:endParaRPr lang="es-MX" dirty="0"/>
           </a:p>
@@ -5572,7 +5824,7 @@
           <a:p>
             <a:fld id="{5E75A0DC-66C6-4CEC-A5EB-F8C97CEC3796}" type="datetimeFigureOut">
               <a:rPr lang="es-MX" smtClean="0"/>
-              <a:t>24/04/2022</a:t>
+              <a:t>15/05/2022</a:t>
             </a:fld>
             <a:endParaRPr lang="es-MX" dirty="0"/>
           </a:p>
@@ -5825,7 +6077,7 @@
           <a:p>
             <a:fld id="{5E75A0DC-66C6-4CEC-A5EB-F8C97CEC3796}" type="datetimeFigureOut">
               <a:rPr lang="es-MX" smtClean="0"/>
-              <a:t>24/04/2022</a:t>
+              <a:t>15/05/2022</a:t>
             </a:fld>
             <a:endParaRPr lang="es-MX" dirty="0"/>
           </a:p>
@@ -6038,7 +6290,7 @@
           <a:p>
             <a:fld id="{5E75A0DC-66C6-4CEC-A5EB-F8C97CEC3796}" type="datetimeFigureOut">
               <a:rPr lang="es-MX" smtClean="0"/>
-              <a:t>24/04/2022</a:t>
+              <a:t>15/05/2022</a:t>
             </a:fld>
             <a:endParaRPr lang="es-MX" dirty="0"/>
           </a:p>
@@ -11465,163 +11717,6 @@
       </p:grpSpPr>
       <p:sp>
         <p:nvSpPr>
-          <p:cNvPr id="19461" name="10 CuadroTexto"/>
-          <p:cNvSpPr txBox="1">
-            <a:spLocks noChangeArrowheads="1"/>
-          </p:cNvSpPr>
-          <p:nvPr/>
-        </p:nvSpPr>
-        <p:spPr bwMode="auto">
-          <a:xfrm>
-            <a:off x="539552" y="1412776"/>
-            <a:ext cx="8064896" cy="1295868"/>
-          </a:xfrm>
-          <a:prstGeom prst="rect">
-            <a:avLst/>
-          </a:prstGeom>
-          <a:noFill/>
-          <a:ln>
-            <a:noFill/>
-          </a:ln>
-          <a:extLst>
-            <a:ext uri="{909E8E84-426E-40DD-AFC4-6F175D3DCCD1}">
-              <a14:hiddenFill xmlns:a14="http://schemas.microsoft.com/office/drawing/2010/main">
-                <a:solidFill>
-                  <a:srgbClr val="FFFFFF"/>
-                </a:solidFill>
-              </a14:hiddenFill>
-            </a:ext>
-            <a:ext uri="{91240B29-F687-4F45-9708-019B960494DF}">
-              <a14:hiddenLine xmlns:a14="http://schemas.microsoft.com/office/drawing/2010/main" w="9525">
-                <a:solidFill>
-                  <a:srgbClr val="000000"/>
-                </a:solidFill>
-                <a:miter lim="800000"/>
-                <a:headEnd/>
-                <a:tailEnd/>
-              </a14:hiddenLine>
-            </a:ext>
-          </a:extLst>
-        </p:spPr>
-        <p:txBody>
-          <a:bodyPr wrap="square">
-            <a:spAutoFit/>
-          </a:bodyPr>
-          <a:lstStyle>
-            <a:lvl1pPr eaLnBrk="0" hangingPunct="0">
-              <a:defRPr sz="2400">
-                <a:solidFill>
-                  <a:schemeClr val="tx1"/>
-                </a:solidFill>
-                <a:latin typeface="Times New Roman" pitchFamily="18" charset="0"/>
-              </a:defRPr>
-            </a:lvl1pPr>
-            <a:lvl2pPr marL="742950" indent="-285750" eaLnBrk="0" hangingPunct="0">
-              <a:defRPr sz="2400">
-                <a:solidFill>
-                  <a:schemeClr val="tx1"/>
-                </a:solidFill>
-                <a:latin typeface="Times New Roman" pitchFamily="18" charset="0"/>
-              </a:defRPr>
-            </a:lvl2pPr>
-            <a:lvl3pPr marL="1143000" indent="-228600" eaLnBrk="0" hangingPunct="0">
-              <a:defRPr sz="2400">
-                <a:solidFill>
-                  <a:schemeClr val="tx1"/>
-                </a:solidFill>
-                <a:latin typeface="Times New Roman" pitchFamily="18" charset="0"/>
-              </a:defRPr>
-            </a:lvl3pPr>
-            <a:lvl4pPr marL="1600200" indent="-228600" eaLnBrk="0" hangingPunct="0">
-              <a:defRPr sz="2400">
-                <a:solidFill>
-                  <a:schemeClr val="tx1"/>
-                </a:solidFill>
-                <a:latin typeface="Times New Roman" pitchFamily="18" charset="0"/>
-              </a:defRPr>
-            </a:lvl4pPr>
-            <a:lvl5pPr marL="2057400" indent="-228600" eaLnBrk="0" hangingPunct="0">
-              <a:defRPr sz="2400">
-                <a:solidFill>
-                  <a:schemeClr val="tx1"/>
-                </a:solidFill>
-                <a:latin typeface="Times New Roman" pitchFamily="18" charset="0"/>
-              </a:defRPr>
-            </a:lvl5pPr>
-            <a:lvl6pPr marL="2514600" indent="-228600" eaLnBrk="0" fontAlgn="base" hangingPunct="0">
-              <a:spcBef>
-                <a:spcPct val="0"/>
-              </a:spcBef>
-              <a:spcAft>
-                <a:spcPct val="0"/>
-              </a:spcAft>
-              <a:defRPr sz="2400">
-                <a:solidFill>
-                  <a:schemeClr val="tx1"/>
-                </a:solidFill>
-                <a:latin typeface="Times New Roman" pitchFamily="18" charset="0"/>
-              </a:defRPr>
-            </a:lvl6pPr>
-            <a:lvl7pPr marL="2971800" indent="-228600" eaLnBrk="0" fontAlgn="base" hangingPunct="0">
-              <a:spcBef>
-                <a:spcPct val="0"/>
-              </a:spcBef>
-              <a:spcAft>
-                <a:spcPct val="0"/>
-              </a:spcAft>
-              <a:defRPr sz="2400">
-                <a:solidFill>
-                  <a:schemeClr val="tx1"/>
-                </a:solidFill>
-                <a:latin typeface="Times New Roman" pitchFamily="18" charset="0"/>
-              </a:defRPr>
-            </a:lvl7pPr>
-            <a:lvl8pPr marL="3429000" indent="-228600" eaLnBrk="0" fontAlgn="base" hangingPunct="0">
-              <a:spcBef>
-                <a:spcPct val="0"/>
-              </a:spcBef>
-              <a:spcAft>
-                <a:spcPct val="0"/>
-              </a:spcAft>
-              <a:defRPr sz="2400">
-                <a:solidFill>
-                  <a:schemeClr val="tx1"/>
-                </a:solidFill>
-                <a:latin typeface="Times New Roman" pitchFamily="18" charset="0"/>
-              </a:defRPr>
-            </a:lvl8pPr>
-            <a:lvl9pPr marL="3886200" indent="-228600" eaLnBrk="0" fontAlgn="base" hangingPunct="0">
-              <a:spcBef>
-                <a:spcPct val="0"/>
-              </a:spcBef>
-              <a:spcAft>
-                <a:spcPct val="0"/>
-              </a:spcAft>
-              <a:defRPr sz="2400">
-                <a:solidFill>
-                  <a:schemeClr val="tx1"/>
-                </a:solidFill>
-                <a:latin typeface="Times New Roman" pitchFamily="18" charset="0"/>
-              </a:defRPr>
-            </a:lvl9pPr>
-          </a:lstStyle>
-          <a:p>
-            <a:pPr algn="ctr" eaLnBrk="1" hangingPunct="1">
-              <a:lnSpc>
-                <a:spcPct val="150000"/>
-              </a:lnSpc>
-            </a:pPr>
-            <a:r>
-              <a:rPr lang="es-ES" sz="1800" dirty="0">
-                <a:latin typeface="ZapfHumnst BT"/>
-              </a:rPr>
-              <a:t>Se refiere a que la cantidad de datos que se reciben cada segundo está siendo reducido por algún factor como el tipo de red que otorga el proveedor o por una saturación de la red.</a:t>
-            </a:r>
-          </a:p>
-        </p:txBody>
-      </p:sp>
-      <p:sp>
-        <p:nvSpPr>
           <p:cNvPr id="8" name="Rectangle 2"/>
           <p:cNvSpPr txBox="1">
             <a:spLocks noChangeArrowheads="1"/>
@@ -11694,6 +11789,734 @@
           </a:p>
         </p:txBody>
       </p:sp>
+      <p:sp>
+        <p:nvSpPr>
+          <p:cNvPr id="4" name="29 CuadroTexto">
+            <a:extLst>
+              <a:ext uri="{FF2B5EF4-FFF2-40B4-BE49-F238E27FC236}">
+                <a16:creationId xmlns:a16="http://schemas.microsoft.com/office/drawing/2014/main" id="{07D6B2DF-F4ED-44C6-873E-A290AA13D515}"/>
+              </a:ext>
+            </a:extLst>
+          </p:cNvPr>
+          <p:cNvSpPr txBox="1">
+            <a:spLocks noChangeArrowheads="1"/>
+          </p:cNvSpPr>
+          <p:nvPr/>
+        </p:nvSpPr>
+        <p:spPr bwMode="auto">
+          <a:xfrm>
+            <a:off x="755576" y="1412776"/>
+            <a:ext cx="7858125" cy="1338263"/>
+          </a:xfrm>
+          <a:prstGeom prst="rect">
+            <a:avLst/>
+          </a:prstGeom>
+          <a:noFill/>
+          <a:ln>
+            <a:noFill/>
+          </a:ln>
+          <a:extLst>
+            <a:ext uri="{909E8E84-426E-40DD-AFC4-6F175D3DCCD1}">
+              <a14:hiddenFill xmlns:a14="http://schemas.microsoft.com/office/drawing/2010/main">
+                <a:solidFill>
+                  <a:srgbClr val="FFFFFF"/>
+                </a:solidFill>
+              </a14:hiddenFill>
+            </a:ext>
+            <a:ext uri="{91240B29-F687-4F45-9708-019B960494DF}">
+              <a14:hiddenLine xmlns:a14="http://schemas.microsoft.com/office/drawing/2010/main" w="9525">
+                <a:solidFill>
+                  <a:srgbClr val="000000"/>
+                </a:solidFill>
+                <a:miter lim="800000"/>
+                <a:headEnd/>
+                <a:tailEnd/>
+              </a14:hiddenLine>
+            </a:ext>
+          </a:extLst>
+        </p:spPr>
+        <p:txBody>
+          <a:bodyPr>
+            <a:spAutoFit/>
+          </a:bodyPr>
+          <a:lstStyle>
+            <a:lvl1pPr marL="228600" indent="-228600">
+              <a:spcBef>
+                <a:spcPct val="20000"/>
+              </a:spcBef>
+              <a:buChar char="•"/>
+              <a:defRPr sz="3200">
+                <a:solidFill>
+                  <a:schemeClr val="tx1"/>
+                </a:solidFill>
+                <a:latin typeface="Times New Roman" pitchFamily="18" charset="0"/>
+              </a:defRPr>
+            </a:lvl1pPr>
+            <a:lvl2pPr marL="742950" indent="-285750">
+              <a:spcBef>
+                <a:spcPct val="20000"/>
+              </a:spcBef>
+              <a:buChar char="–"/>
+              <a:defRPr sz="2800">
+                <a:solidFill>
+                  <a:schemeClr val="tx1"/>
+                </a:solidFill>
+                <a:latin typeface="Times New Roman" pitchFamily="18" charset="0"/>
+              </a:defRPr>
+            </a:lvl2pPr>
+            <a:lvl3pPr marL="1143000" indent="-228600">
+              <a:spcBef>
+                <a:spcPct val="20000"/>
+              </a:spcBef>
+              <a:buChar char="•"/>
+              <a:defRPr sz="2400">
+                <a:solidFill>
+                  <a:schemeClr val="tx1"/>
+                </a:solidFill>
+                <a:latin typeface="Times New Roman" pitchFamily="18" charset="0"/>
+              </a:defRPr>
+            </a:lvl3pPr>
+            <a:lvl4pPr marL="1600200" indent="-228600">
+              <a:spcBef>
+                <a:spcPct val="20000"/>
+              </a:spcBef>
+              <a:buChar char="–"/>
+              <a:defRPr sz="2000">
+                <a:solidFill>
+                  <a:schemeClr val="tx1"/>
+                </a:solidFill>
+                <a:latin typeface="Times New Roman" pitchFamily="18" charset="0"/>
+              </a:defRPr>
+            </a:lvl4pPr>
+            <a:lvl5pPr marL="2057400" indent="-228600">
+              <a:spcBef>
+                <a:spcPct val="20000"/>
+              </a:spcBef>
+              <a:buChar char="»"/>
+              <a:defRPr sz="2000">
+                <a:solidFill>
+                  <a:schemeClr val="tx1"/>
+                </a:solidFill>
+                <a:latin typeface="Times New Roman" pitchFamily="18" charset="0"/>
+              </a:defRPr>
+            </a:lvl5pPr>
+            <a:lvl6pPr marL="2514600" indent="-228600" eaLnBrk="0" fontAlgn="base" hangingPunct="0">
+              <a:spcBef>
+                <a:spcPct val="20000"/>
+              </a:spcBef>
+              <a:spcAft>
+                <a:spcPct val="0"/>
+              </a:spcAft>
+              <a:buChar char="»"/>
+              <a:defRPr sz="2000">
+                <a:solidFill>
+                  <a:schemeClr val="tx1"/>
+                </a:solidFill>
+                <a:latin typeface="Times New Roman" pitchFamily="18" charset="0"/>
+              </a:defRPr>
+            </a:lvl6pPr>
+            <a:lvl7pPr marL="2971800" indent="-228600" eaLnBrk="0" fontAlgn="base" hangingPunct="0">
+              <a:spcBef>
+                <a:spcPct val="20000"/>
+              </a:spcBef>
+              <a:spcAft>
+                <a:spcPct val="0"/>
+              </a:spcAft>
+              <a:buChar char="»"/>
+              <a:defRPr sz="2000">
+                <a:solidFill>
+                  <a:schemeClr val="tx1"/>
+                </a:solidFill>
+                <a:latin typeface="Times New Roman" pitchFamily="18" charset="0"/>
+              </a:defRPr>
+            </a:lvl7pPr>
+            <a:lvl8pPr marL="3429000" indent="-228600" eaLnBrk="0" fontAlgn="base" hangingPunct="0">
+              <a:spcBef>
+                <a:spcPct val="20000"/>
+              </a:spcBef>
+              <a:spcAft>
+                <a:spcPct val="0"/>
+              </a:spcAft>
+              <a:buChar char="»"/>
+              <a:defRPr sz="2000">
+                <a:solidFill>
+                  <a:schemeClr val="tx1"/>
+                </a:solidFill>
+                <a:latin typeface="Times New Roman" pitchFamily="18" charset="0"/>
+              </a:defRPr>
+            </a:lvl8pPr>
+            <a:lvl9pPr marL="3886200" indent="-228600" eaLnBrk="0" fontAlgn="base" hangingPunct="0">
+              <a:spcBef>
+                <a:spcPct val="20000"/>
+              </a:spcBef>
+              <a:spcAft>
+                <a:spcPct val="0"/>
+              </a:spcAft>
+              <a:buChar char="»"/>
+              <a:defRPr sz="2000">
+                <a:solidFill>
+                  <a:schemeClr val="tx1"/>
+                </a:solidFill>
+                <a:latin typeface="Times New Roman" pitchFamily="18" charset="0"/>
+              </a:defRPr>
+            </a:lvl9pPr>
+          </a:lstStyle>
+          <a:p>
+            <a:pPr algn="just">
+              <a:lnSpc>
+                <a:spcPct val="150000"/>
+              </a:lnSpc>
+              <a:buClr>
+                <a:schemeClr val="tx1"/>
+              </a:buClr>
+              <a:buSzPct val="65000"/>
+              <a:buFont typeface="Wingdings" pitchFamily="2" charset="2"/>
+              <a:buChar char="l"/>
+            </a:pPr>
+            <a:r>
+              <a:rPr lang="es-MX" altLang="es-MX" sz="1800">
+                <a:latin typeface="ZapfHumnst BT"/>
+              </a:rPr>
+              <a:t>El ancho de banda del medio está relacionado con las </a:t>
+            </a:r>
+            <a:r>
+              <a:rPr lang="es-MX" altLang="es-MX" sz="1800" b="1">
+                <a:latin typeface="ZapfHumnst BT"/>
+              </a:rPr>
+              <a:t>limitación inherente de las propiedades físicas del medio</a:t>
+            </a:r>
+            <a:r>
+              <a:rPr lang="es-MX" altLang="es-MX" sz="1800">
+                <a:latin typeface="ZapfHumnst BT"/>
+              </a:rPr>
+              <a:t>; cada línea tiene un rango de frecuencias que puede transmitir.</a:t>
+            </a:r>
+            <a:endParaRPr lang="es-MX" altLang="es-MX" sz="2400"/>
+          </a:p>
+        </p:txBody>
+      </p:sp>
+      <p:sp>
+        <p:nvSpPr>
+          <p:cNvPr id="5" name="10 CuadroTexto">
+            <a:extLst>
+              <a:ext uri="{FF2B5EF4-FFF2-40B4-BE49-F238E27FC236}">
+                <a16:creationId xmlns:a16="http://schemas.microsoft.com/office/drawing/2014/main" id="{D5CC7370-6B98-48F3-B708-23A6AAFEB250}"/>
+              </a:ext>
+            </a:extLst>
+          </p:cNvPr>
+          <p:cNvSpPr txBox="1">
+            <a:spLocks noChangeArrowheads="1"/>
+          </p:cNvSpPr>
+          <p:nvPr/>
+        </p:nvSpPr>
+        <p:spPr bwMode="auto">
+          <a:xfrm>
+            <a:off x="755576" y="2646264"/>
+            <a:ext cx="7858125" cy="1338262"/>
+          </a:xfrm>
+          <a:prstGeom prst="rect">
+            <a:avLst/>
+          </a:prstGeom>
+          <a:noFill/>
+          <a:ln>
+            <a:noFill/>
+          </a:ln>
+          <a:extLst>
+            <a:ext uri="{909E8E84-426E-40DD-AFC4-6F175D3DCCD1}">
+              <a14:hiddenFill xmlns:a14="http://schemas.microsoft.com/office/drawing/2010/main">
+                <a:solidFill>
+                  <a:srgbClr val="FFFFFF"/>
+                </a:solidFill>
+              </a14:hiddenFill>
+            </a:ext>
+            <a:ext uri="{91240B29-F687-4F45-9708-019B960494DF}">
+              <a14:hiddenLine xmlns:a14="http://schemas.microsoft.com/office/drawing/2010/main" w="9525">
+                <a:solidFill>
+                  <a:srgbClr val="000000"/>
+                </a:solidFill>
+                <a:miter lim="800000"/>
+                <a:headEnd/>
+                <a:tailEnd/>
+              </a14:hiddenLine>
+            </a:ext>
+          </a:extLst>
+        </p:spPr>
+        <p:txBody>
+          <a:bodyPr>
+            <a:spAutoFit/>
+          </a:bodyPr>
+          <a:lstStyle>
+            <a:lvl1pPr marL="228600" indent="-228600">
+              <a:spcBef>
+                <a:spcPct val="20000"/>
+              </a:spcBef>
+              <a:buChar char="•"/>
+              <a:defRPr sz="3200">
+                <a:solidFill>
+                  <a:schemeClr val="tx1"/>
+                </a:solidFill>
+                <a:latin typeface="Times New Roman" pitchFamily="18" charset="0"/>
+              </a:defRPr>
+            </a:lvl1pPr>
+            <a:lvl2pPr marL="742950" indent="-285750">
+              <a:spcBef>
+                <a:spcPct val="20000"/>
+              </a:spcBef>
+              <a:buChar char="–"/>
+              <a:defRPr sz="2800">
+                <a:solidFill>
+                  <a:schemeClr val="tx1"/>
+                </a:solidFill>
+                <a:latin typeface="Times New Roman" pitchFamily="18" charset="0"/>
+              </a:defRPr>
+            </a:lvl2pPr>
+            <a:lvl3pPr marL="1143000" indent="-228600">
+              <a:spcBef>
+                <a:spcPct val="20000"/>
+              </a:spcBef>
+              <a:buChar char="•"/>
+              <a:defRPr sz="2400">
+                <a:solidFill>
+                  <a:schemeClr val="tx1"/>
+                </a:solidFill>
+                <a:latin typeface="Times New Roman" pitchFamily="18" charset="0"/>
+              </a:defRPr>
+            </a:lvl3pPr>
+            <a:lvl4pPr marL="1600200" indent="-228600">
+              <a:spcBef>
+                <a:spcPct val="20000"/>
+              </a:spcBef>
+              <a:buChar char="–"/>
+              <a:defRPr sz="2000">
+                <a:solidFill>
+                  <a:schemeClr val="tx1"/>
+                </a:solidFill>
+                <a:latin typeface="Times New Roman" pitchFamily="18" charset="0"/>
+              </a:defRPr>
+            </a:lvl4pPr>
+            <a:lvl5pPr marL="2057400" indent="-228600">
+              <a:spcBef>
+                <a:spcPct val="20000"/>
+              </a:spcBef>
+              <a:buChar char="»"/>
+              <a:defRPr sz="2000">
+                <a:solidFill>
+                  <a:schemeClr val="tx1"/>
+                </a:solidFill>
+                <a:latin typeface="Times New Roman" pitchFamily="18" charset="0"/>
+              </a:defRPr>
+            </a:lvl5pPr>
+            <a:lvl6pPr marL="2514600" indent="-228600" eaLnBrk="0" fontAlgn="base" hangingPunct="0">
+              <a:spcBef>
+                <a:spcPct val="20000"/>
+              </a:spcBef>
+              <a:spcAft>
+                <a:spcPct val="0"/>
+              </a:spcAft>
+              <a:buChar char="»"/>
+              <a:defRPr sz="2000">
+                <a:solidFill>
+                  <a:schemeClr val="tx1"/>
+                </a:solidFill>
+                <a:latin typeface="Times New Roman" pitchFamily="18" charset="0"/>
+              </a:defRPr>
+            </a:lvl6pPr>
+            <a:lvl7pPr marL="2971800" indent="-228600" eaLnBrk="0" fontAlgn="base" hangingPunct="0">
+              <a:spcBef>
+                <a:spcPct val="20000"/>
+              </a:spcBef>
+              <a:spcAft>
+                <a:spcPct val="0"/>
+              </a:spcAft>
+              <a:buChar char="»"/>
+              <a:defRPr sz="2000">
+                <a:solidFill>
+                  <a:schemeClr val="tx1"/>
+                </a:solidFill>
+                <a:latin typeface="Times New Roman" pitchFamily="18" charset="0"/>
+              </a:defRPr>
+            </a:lvl7pPr>
+            <a:lvl8pPr marL="3429000" indent="-228600" eaLnBrk="0" fontAlgn="base" hangingPunct="0">
+              <a:spcBef>
+                <a:spcPct val="20000"/>
+              </a:spcBef>
+              <a:spcAft>
+                <a:spcPct val="0"/>
+              </a:spcAft>
+              <a:buChar char="»"/>
+              <a:defRPr sz="2000">
+                <a:solidFill>
+                  <a:schemeClr val="tx1"/>
+                </a:solidFill>
+                <a:latin typeface="Times New Roman" pitchFamily="18" charset="0"/>
+              </a:defRPr>
+            </a:lvl8pPr>
+            <a:lvl9pPr marL="3886200" indent="-228600" eaLnBrk="0" fontAlgn="base" hangingPunct="0">
+              <a:spcBef>
+                <a:spcPct val="20000"/>
+              </a:spcBef>
+              <a:spcAft>
+                <a:spcPct val="0"/>
+              </a:spcAft>
+              <a:buChar char="»"/>
+              <a:defRPr sz="2000">
+                <a:solidFill>
+                  <a:schemeClr val="tx1"/>
+                </a:solidFill>
+                <a:latin typeface="Times New Roman" pitchFamily="18" charset="0"/>
+              </a:defRPr>
+            </a:lvl9pPr>
+          </a:lstStyle>
+          <a:p>
+            <a:pPr algn="just">
+              <a:lnSpc>
+                <a:spcPct val="150000"/>
+              </a:lnSpc>
+              <a:buClr>
+                <a:schemeClr val="tx1"/>
+              </a:buClr>
+              <a:buSzPct val="65000"/>
+              <a:buFont typeface="Wingdings" pitchFamily="2" charset="2"/>
+              <a:buChar char="l"/>
+            </a:pPr>
+            <a:r>
+              <a:rPr lang="es-MX" altLang="es-MX" sz="1800">
+                <a:latin typeface="ZapfHumnst BT"/>
+              </a:rPr>
+              <a:t>Cada línea tiene un límite superior y un límite inferior para las frecuencias de las señales que puede transportar. Este rango limitado es lo que se le denomina </a:t>
+            </a:r>
+            <a:r>
+              <a:rPr lang="es-MX" altLang="es-MX" sz="1800" b="1">
+                <a:latin typeface="ZapfHumnst BT"/>
+              </a:rPr>
+              <a:t>ancho de banda</a:t>
+            </a:r>
+            <a:r>
+              <a:rPr lang="es-MX" altLang="es-MX" sz="1800">
+                <a:latin typeface="ZapfHumnst BT"/>
+              </a:rPr>
+              <a:t>.</a:t>
+            </a:r>
+            <a:endParaRPr lang="es-MX" altLang="es-MX" sz="2400"/>
+          </a:p>
+        </p:txBody>
+      </p:sp>
+      <p:sp>
+        <p:nvSpPr>
+          <p:cNvPr id="6" name="11 CuadroTexto">
+            <a:extLst>
+              <a:ext uri="{FF2B5EF4-FFF2-40B4-BE49-F238E27FC236}">
+                <a16:creationId xmlns:a16="http://schemas.microsoft.com/office/drawing/2014/main" id="{7AD45C4F-9215-4392-B752-A35FD96BC29D}"/>
+              </a:ext>
+            </a:extLst>
+          </p:cNvPr>
+          <p:cNvSpPr txBox="1">
+            <a:spLocks noChangeArrowheads="1"/>
+          </p:cNvSpPr>
+          <p:nvPr/>
+        </p:nvSpPr>
+        <p:spPr bwMode="auto">
+          <a:xfrm>
+            <a:off x="755576" y="3909914"/>
+            <a:ext cx="4429125" cy="1754187"/>
+          </a:xfrm>
+          <a:prstGeom prst="rect">
+            <a:avLst/>
+          </a:prstGeom>
+          <a:noFill/>
+          <a:ln>
+            <a:noFill/>
+          </a:ln>
+          <a:extLst>
+            <a:ext uri="{909E8E84-426E-40DD-AFC4-6F175D3DCCD1}">
+              <a14:hiddenFill xmlns:a14="http://schemas.microsoft.com/office/drawing/2010/main">
+                <a:solidFill>
+                  <a:srgbClr val="FFFFFF"/>
+                </a:solidFill>
+              </a14:hiddenFill>
+            </a:ext>
+            <a:ext uri="{91240B29-F687-4F45-9708-019B960494DF}">
+              <a14:hiddenLine xmlns:a14="http://schemas.microsoft.com/office/drawing/2010/main" w="9525">
+                <a:solidFill>
+                  <a:srgbClr val="000000"/>
+                </a:solidFill>
+                <a:miter lim="800000"/>
+                <a:headEnd/>
+                <a:tailEnd/>
+              </a14:hiddenLine>
+            </a:ext>
+          </a:extLst>
+        </p:spPr>
+        <p:txBody>
+          <a:bodyPr>
+            <a:spAutoFit/>
+          </a:bodyPr>
+          <a:lstStyle>
+            <a:lvl1pPr marL="228600" indent="-228600">
+              <a:spcBef>
+                <a:spcPct val="20000"/>
+              </a:spcBef>
+              <a:buChar char="•"/>
+              <a:defRPr sz="3200">
+                <a:solidFill>
+                  <a:schemeClr val="tx1"/>
+                </a:solidFill>
+                <a:latin typeface="Times New Roman" pitchFamily="18" charset="0"/>
+              </a:defRPr>
+            </a:lvl1pPr>
+            <a:lvl2pPr marL="742950" indent="-285750">
+              <a:spcBef>
+                <a:spcPct val="20000"/>
+              </a:spcBef>
+              <a:buChar char="–"/>
+              <a:defRPr sz="2800">
+                <a:solidFill>
+                  <a:schemeClr val="tx1"/>
+                </a:solidFill>
+                <a:latin typeface="Times New Roman" pitchFamily="18" charset="0"/>
+              </a:defRPr>
+            </a:lvl2pPr>
+            <a:lvl3pPr marL="1143000" indent="-228600">
+              <a:spcBef>
+                <a:spcPct val="20000"/>
+              </a:spcBef>
+              <a:buChar char="•"/>
+              <a:defRPr sz="2400">
+                <a:solidFill>
+                  <a:schemeClr val="tx1"/>
+                </a:solidFill>
+                <a:latin typeface="Times New Roman" pitchFamily="18" charset="0"/>
+              </a:defRPr>
+            </a:lvl3pPr>
+            <a:lvl4pPr marL="1600200" indent="-228600">
+              <a:spcBef>
+                <a:spcPct val="20000"/>
+              </a:spcBef>
+              <a:buChar char="–"/>
+              <a:defRPr sz="2000">
+                <a:solidFill>
+                  <a:schemeClr val="tx1"/>
+                </a:solidFill>
+                <a:latin typeface="Times New Roman" pitchFamily="18" charset="0"/>
+              </a:defRPr>
+            </a:lvl4pPr>
+            <a:lvl5pPr marL="2057400" indent="-228600">
+              <a:spcBef>
+                <a:spcPct val="20000"/>
+              </a:spcBef>
+              <a:buChar char="»"/>
+              <a:defRPr sz="2000">
+                <a:solidFill>
+                  <a:schemeClr val="tx1"/>
+                </a:solidFill>
+                <a:latin typeface="Times New Roman" pitchFamily="18" charset="0"/>
+              </a:defRPr>
+            </a:lvl5pPr>
+            <a:lvl6pPr marL="2514600" indent="-228600" eaLnBrk="0" fontAlgn="base" hangingPunct="0">
+              <a:spcBef>
+                <a:spcPct val="20000"/>
+              </a:spcBef>
+              <a:spcAft>
+                <a:spcPct val="0"/>
+              </a:spcAft>
+              <a:buChar char="»"/>
+              <a:defRPr sz="2000">
+                <a:solidFill>
+                  <a:schemeClr val="tx1"/>
+                </a:solidFill>
+                <a:latin typeface="Times New Roman" pitchFamily="18" charset="0"/>
+              </a:defRPr>
+            </a:lvl6pPr>
+            <a:lvl7pPr marL="2971800" indent="-228600" eaLnBrk="0" fontAlgn="base" hangingPunct="0">
+              <a:spcBef>
+                <a:spcPct val="20000"/>
+              </a:spcBef>
+              <a:spcAft>
+                <a:spcPct val="0"/>
+              </a:spcAft>
+              <a:buChar char="»"/>
+              <a:defRPr sz="2000">
+                <a:solidFill>
+                  <a:schemeClr val="tx1"/>
+                </a:solidFill>
+                <a:latin typeface="Times New Roman" pitchFamily="18" charset="0"/>
+              </a:defRPr>
+            </a:lvl7pPr>
+            <a:lvl8pPr marL="3429000" indent="-228600" eaLnBrk="0" fontAlgn="base" hangingPunct="0">
+              <a:spcBef>
+                <a:spcPct val="20000"/>
+              </a:spcBef>
+              <a:spcAft>
+                <a:spcPct val="0"/>
+              </a:spcAft>
+              <a:buChar char="»"/>
+              <a:defRPr sz="2000">
+                <a:solidFill>
+                  <a:schemeClr val="tx1"/>
+                </a:solidFill>
+                <a:latin typeface="Times New Roman" pitchFamily="18" charset="0"/>
+              </a:defRPr>
+            </a:lvl8pPr>
+            <a:lvl9pPr marL="3886200" indent="-228600" eaLnBrk="0" fontAlgn="base" hangingPunct="0">
+              <a:spcBef>
+                <a:spcPct val="20000"/>
+              </a:spcBef>
+              <a:spcAft>
+                <a:spcPct val="0"/>
+              </a:spcAft>
+              <a:buChar char="»"/>
+              <a:defRPr sz="2000">
+                <a:solidFill>
+                  <a:schemeClr val="tx1"/>
+                </a:solidFill>
+                <a:latin typeface="Times New Roman" pitchFamily="18" charset="0"/>
+              </a:defRPr>
+            </a:lvl9pPr>
+          </a:lstStyle>
+          <a:p>
+            <a:pPr algn="just">
+              <a:lnSpc>
+                <a:spcPct val="150000"/>
+              </a:lnSpc>
+              <a:buClr>
+                <a:schemeClr val="tx1"/>
+              </a:buClr>
+              <a:buSzPct val="65000"/>
+              <a:buFont typeface="Wingdings" pitchFamily="2" charset="2"/>
+              <a:buChar char="l"/>
+            </a:pPr>
+            <a:r>
+              <a:rPr lang="es-MX" altLang="es-MX" sz="1800" dirty="0">
+                <a:latin typeface="ZapfHumnst BT"/>
+              </a:rPr>
+              <a:t>Las líneas telefónicas tradicionales pueden transportar frecuencias entre </a:t>
+            </a:r>
+            <a:r>
+              <a:rPr lang="es-MX" altLang="es-MX" sz="1800" b="1" dirty="0">
+                <a:latin typeface="ZapfHumnst BT"/>
+              </a:rPr>
+              <a:t>300 Hz y 3,300 Hz</a:t>
+            </a:r>
+            <a:r>
+              <a:rPr lang="es-MX" altLang="es-MX" sz="1800" dirty="0">
+                <a:latin typeface="ZapfHumnst BT"/>
+              </a:rPr>
+              <a:t>, lo que le da un </a:t>
+            </a:r>
+            <a:r>
+              <a:rPr lang="es-MX" altLang="es-MX" sz="1800" b="1" dirty="0">
+                <a:latin typeface="ZapfHumnst BT"/>
+              </a:rPr>
+              <a:t>ancho de banda de 3,000 Hz.</a:t>
+            </a:r>
+          </a:p>
+        </p:txBody>
+      </p:sp>
+      <p:graphicFrame>
+        <p:nvGraphicFramePr>
+          <p:cNvPr id="7" name="Object 5">
+            <a:extLst>
+              <a:ext uri="{FF2B5EF4-FFF2-40B4-BE49-F238E27FC236}">
+                <a16:creationId xmlns:a16="http://schemas.microsoft.com/office/drawing/2014/main" id="{F42C7EA3-6605-4E1F-9AEF-F0D8B08C0239}"/>
+              </a:ext>
+            </a:extLst>
+          </p:cNvPr>
+          <p:cNvGraphicFramePr>
+            <a:graphicFrameLocks/>
+          </p:cNvGraphicFramePr>
+          <p:nvPr>
+            <p:extLst>
+              <p:ext uri="{D42A27DB-BD31-4B8C-83A1-F6EECF244321}">
+                <p14:modId xmlns:p14="http://schemas.microsoft.com/office/powerpoint/2010/main" val="2069876007"/>
+              </p:ext>
+            </p:extLst>
+          </p:nvPr>
+        </p:nvGraphicFramePr>
+        <p:xfrm>
+          <a:off x="5184701" y="4055964"/>
+          <a:ext cx="3676650" cy="1965325"/>
+        </p:xfrm>
+        <a:graphic>
+          <a:graphicData uri="http://schemas.openxmlformats.org/presentationml/2006/ole">
+            <mc:AlternateContent xmlns:mc="http://schemas.openxmlformats.org/markup-compatibility/2006">
+              <mc:Choice xmlns:v="urn:schemas-microsoft-com:vml" Requires="v">
+                <p:oleObj spid="_x0000_s32772" name="Imagen" r:id="rId4" imgW="3676650" imgH="1965325" progId="MS_ClipArt_Gallery.2">
+                  <p:embed/>
+                </p:oleObj>
+              </mc:Choice>
+              <mc:Fallback>
+                <p:oleObj name="Imagen" r:id="rId4" imgW="3676650" imgH="1965325" progId="MS_ClipArt_Gallery.2">
+                  <p:embed/>
+                  <p:pic>
+                    <p:nvPicPr>
+                      <p:cNvPr id="23560" name="Object 5"/>
+                      <p:cNvPicPr>
+                        <a:picLocks noChangeArrowheads="1"/>
+                      </p:cNvPicPr>
+                      <p:nvPr/>
+                    </p:nvPicPr>
+                    <p:blipFill>
+                      <a:blip r:embed="rId5">
+                        <a:extLst>
+                          <a:ext uri="{28A0092B-C50C-407E-A947-70E740481C1C}">
+                            <a14:useLocalDpi xmlns:a14="http://schemas.microsoft.com/office/drawing/2010/main" val="0"/>
+                          </a:ext>
+                        </a:extLst>
+                      </a:blip>
+                      <a:srcRect/>
+                      <a:stretch>
+                        <a:fillRect/>
+                      </a:stretch>
+                    </p:blipFill>
+                    <p:spPr bwMode="auto">
+                      <a:xfrm>
+                        <a:off x="5184701" y="4055964"/>
+                        <a:ext cx="3676650" cy="1965325"/>
+                      </a:xfrm>
+                      <a:prstGeom prst="rect">
+                        <a:avLst/>
+                      </a:prstGeom>
+                      <a:noFill/>
+                      <a:ln>
+                        <a:noFill/>
+                      </a:ln>
+                      <a:effectLst/>
+                      <a:extLst>
+                        <a:ext uri="{909E8E84-426E-40DD-AFC4-6F175D3DCCD1}">
+                          <a14:hiddenFill xmlns:a14="http://schemas.microsoft.com/office/drawing/2010/main">
+                            <a:solidFill>
+                              <a:schemeClr val="accent1"/>
+                            </a:solidFill>
+                          </a14:hiddenFill>
+                        </a:ext>
+                        <a:ext uri="{91240B29-F687-4F45-9708-019B960494DF}">
+                          <a14:hiddenLine xmlns:a14="http://schemas.microsoft.com/office/drawing/2010/main" w="9525">
+                            <a:solidFill>
+                              <a:schemeClr val="tx1"/>
+                            </a:solidFill>
+                            <a:miter lim="800000"/>
+                            <a:headEnd/>
+                            <a:tailEnd/>
+                          </a14:hiddenLine>
+                        </a:ext>
+                        <a:ext uri="{AF507438-7753-43E0-B8FC-AC1667EBCBE1}">
+                          <a14:hiddenEffects xmlns:a14="http://schemas.microsoft.com/office/drawing/2010/main">
+                            <a:effectLst>
+                              <a:outerShdw dist="35921" dir="2700000" algn="ctr" rotWithShape="0">
+                                <a:schemeClr val="bg2"/>
+                              </a:outerShdw>
+                            </a:effectLst>
+                          </a14:hiddenEffects>
+                        </a:ext>
+                      </a:extLst>
+                    </p:spPr>
+                  </p:pic>
+                </p:oleObj>
+              </mc:Fallback>
+            </mc:AlternateContent>
+          </a:graphicData>
+        </a:graphic>
+      </p:graphicFrame>
     </p:spTree>
     <p:extLst>
       <p:ext uri="{BB962C8B-B14F-4D97-AF65-F5344CB8AC3E}">
@@ -11713,13 +12536,13 @@
               <p:cTn id="2" dur="indefinite" nodeType="mainSeq">
                 <p:childTnLst>
                   <p:par>
-                    <p:cTn id="3" fill="hold" nodeType="clickPar">
+                    <p:cTn id="3" fill="hold">
                       <p:stCondLst>
                         <p:cond delay="indefinite"/>
                       </p:stCondLst>
                       <p:childTnLst>
                         <p:par>
-                          <p:cTn id="4" fill="hold" nodeType="withGroup">
+                          <p:cTn id="4" fill="hold">
                             <p:stCondLst>
                               <p:cond delay="0"/>
                             </p:stCondLst>
@@ -11738,7 +12561,7 @@
                                           </p:stCondLst>
                                         </p:cTn>
                                         <p:tgtEl>
-                                          <p:spTgt spid="19461"/>
+                                          <p:spTgt spid="4"/>
                                         </p:tgtEl>
                                         <p:attrNameLst>
                                           <p:attrName>style.visibility</p:attrName>
@@ -11752,7 +12575,113 @@
                                       <p:cBhvr>
                                         <p:cTn id="7" dur="500"/>
                                         <p:tgtEl>
-                                          <p:spTgt spid="19461"/>
+                                          <p:spTgt spid="4"/>
+                                        </p:tgtEl>
+                                      </p:cBhvr>
+                                    </p:animEffect>
+                                  </p:childTnLst>
+                                </p:cTn>
+                              </p:par>
+                            </p:childTnLst>
+                          </p:cTn>
+                        </p:par>
+                      </p:childTnLst>
+                    </p:cTn>
+                  </p:par>
+                  <p:par>
+                    <p:cTn id="8" fill="hold">
+                      <p:stCondLst>
+                        <p:cond delay="indefinite"/>
+                      </p:stCondLst>
+                      <p:childTnLst>
+                        <p:par>
+                          <p:cTn id="9" fill="hold">
+                            <p:stCondLst>
+                              <p:cond delay="0"/>
+                            </p:stCondLst>
+                            <p:childTnLst>
+                              <p:par>
+                                <p:cTn id="10" presetID="4" presetClass="entr" presetSubtype="16" fill="hold" grpId="0" nodeType="clickEffect">
+                                  <p:stCondLst>
+                                    <p:cond delay="0"/>
+                                  </p:stCondLst>
+                                  <p:childTnLst>
+                                    <p:set>
+                                      <p:cBhvr>
+                                        <p:cTn id="11" dur="1" fill="hold">
+                                          <p:stCondLst>
+                                            <p:cond delay="0"/>
+                                          </p:stCondLst>
+                                        </p:cTn>
+                                        <p:tgtEl>
+                                          <p:spTgt spid="5"/>
+                                        </p:tgtEl>
+                                        <p:attrNameLst>
+                                          <p:attrName>style.visibility</p:attrName>
+                                        </p:attrNameLst>
+                                      </p:cBhvr>
+                                      <p:to>
+                                        <p:strVal val="visible"/>
+                                      </p:to>
+                                    </p:set>
+                                    <p:animEffect transition="in" filter="box(in)">
+                                      <p:cBhvr>
+                                        <p:cTn id="12" dur="500"/>
+                                        <p:tgtEl>
+                                          <p:spTgt spid="5"/>
+                                        </p:tgtEl>
+                                      </p:cBhvr>
+                                    </p:animEffect>
+                                  </p:childTnLst>
+                                </p:cTn>
+                              </p:par>
+                            </p:childTnLst>
+                          </p:cTn>
+                        </p:par>
+                      </p:childTnLst>
+                    </p:cTn>
+                  </p:par>
+                  <p:par>
+                    <p:cTn id="13" fill="hold">
+                      <p:stCondLst>
+                        <p:cond delay="indefinite"/>
+                      </p:stCondLst>
+                      <p:childTnLst>
+                        <p:par>
+                          <p:cTn id="14" fill="hold">
+                            <p:stCondLst>
+                              <p:cond delay="0"/>
+                            </p:stCondLst>
+                            <p:childTnLst>
+                              <p:par>
+                                <p:cTn id="15" presetID="4" presetClass="entr" presetSubtype="16" fill="hold" grpId="0" nodeType="clickEffect">
+                                  <p:stCondLst>
+                                    <p:cond delay="0"/>
+                                  </p:stCondLst>
+                                  <p:childTnLst>
+                                    <p:set>
+                                      <p:cBhvr>
+                                        <p:cTn id="16" dur="1" fill="hold">
+                                          <p:stCondLst>
+                                            <p:cond delay="0"/>
+                                          </p:stCondLst>
+                                        </p:cTn>
+                                        <p:tgtEl>
+                                          <p:spTgt spid="6"/>
+                                        </p:tgtEl>
+                                        <p:attrNameLst>
+                                          <p:attrName>style.visibility</p:attrName>
+                                        </p:attrNameLst>
+                                      </p:cBhvr>
+                                      <p:to>
+                                        <p:strVal val="visible"/>
+                                      </p:to>
+                                    </p:set>
+                                    <p:animEffect transition="in" filter="box(in)">
+                                      <p:cBhvr>
+                                        <p:cTn id="17" dur="500"/>
+                                        <p:tgtEl>
+                                          <p:spTgt spid="6"/>
                                         </p:tgtEl>
                                       </p:cBhvr>
                                     </p:animEffect>
@@ -11787,13 +12716,758 @@
       </p:par>
     </p:tnLst>
     <p:bldLst>
-      <p:bldP spid="19461" grpId="0"/>
+      <p:bldP spid="4" grpId="0"/>
+      <p:bldP spid="5" grpId="0"/>
+      <p:bldP spid="6" grpId="0"/>
     </p:bldLst>
   </p:timing>
 </p:sld>
 </file>
 
 <file path=ppt/slides/slide16.xml><?xml version="1.0" encoding="utf-8"?>
+<p:sld xmlns:a="http://schemas.openxmlformats.org/drawingml/2006/main" xmlns:r="http://schemas.openxmlformats.org/officeDocument/2006/relationships" xmlns:p="http://schemas.openxmlformats.org/presentationml/2006/main">
+  <p:cSld>
+    <p:spTree>
+      <p:nvGrpSpPr>
+        <p:cNvPr id="1" name=""/>
+        <p:cNvGrpSpPr/>
+        <p:nvPr/>
+      </p:nvGrpSpPr>
+      <p:grpSpPr>
+        <a:xfrm>
+          <a:off x="0" y="0"/>
+          <a:ext cx="0" cy="0"/>
+          <a:chOff x="0" y="0"/>
+          <a:chExt cx="0" cy="0"/>
+        </a:xfrm>
+      </p:grpSpPr>
+      <p:sp>
+        <p:nvSpPr>
+          <p:cNvPr id="8" name="Rectangle 2"/>
+          <p:cNvSpPr txBox="1">
+            <a:spLocks noChangeArrowheads="1"/>
+          </p:cNvSpPr>
+          <p:nvPr/>
+        </p:nvSpPr>
+        <p:spPr>
+          <a:xfrm>
+            <a:off x="89756" y="269776"/>
+            <a:ext cx="8964488" cy="1143000"/>
+          </a:xfrm>
+          <a:prstGeom prst="rect">
+            <a:avLst/>
+          </a:prstGeom>
+        </p:spPr>
+        <p:txBody>
+          <a:bodyPr vert="horz" lIns="92075" tIns="46038" rIns="92075" bIns="46038" rtlCol="0" anchor="ctr">
+            <a:noAutofit/>
+          </a:bodyPr>
+          <a:lstStyle>
+            <a:lvl1pPr algn="ctr" defTabSz="914400" rtl="0" eaLnBrk="1" latinLnBrk="0" hangingPunct="1">
+              <a:spcBef>
+                <a:spcPct val="0"/>
+              </a:spcBef>
+              <a:buNone/>
+              <a:defRPr sz="4400" kern="1200">
+                <a:solidFill>
+                  <a:schemeClr val="tx1"/>
+                </a:solidFill>
+                <a:latin typeface="+mj-lt"/>
+                <a:ea typeface="+mj-ea"/>
+                <a:cs typeface="+mj-cs"/>
+              </a:defRPr>
+            </a:lvl1pPr>
+          </a:lstStyle>
+          <a:p>
+            <a:pPr>
+              <a:defRPr/>
+            </a:pPr>
+            <a:r>
+              <a:rPr lang="es-ES_tradnl" sz="3200" dirty="0">
+                <a:solidFill>
+                  <a:srgbClr val="3333CC"/>
+                </a:solidFill>
+                <a:effectLst>
+                  <a:outerShdw blurRad="38100" dist="38100" dir="2700000" algn="tl">
+                    <a:srgbClr val="C0C0C0"/>
+                  </a:outerShdw>
+                </a:effectLst>
+                <a:latin typeface="Dom Casual" charset="0"/>
+              </a:rPr>
+              <a:t> </a:t>
+            </a:r>
+            <a:r>
+              <a:rPr lang="es-ES_tradnl" sz="3200" b="1" dirty="0">
+                <a:solidFill>
+                  <a:schemeClr val="accent4">
+                    <a:lumMod val="50000"/>
+                  </a:schemeClr>
+                </a:solidFill>
+                <a:effectLst>
+                  <a:outerShdw blurRad="38100" dist="38100" dir="2700000" algn="tl">
+                    <a:srgbClr val="C0C0C0"/>
+                  </a:outerShdw>
+                </a:effectLst>
+                <a:latin typeface="Dom Casual" charset="0"/>
+              </a:rPr>
+              <a:t>Ancho de banda limitado</a:t>
+            </a:r>
+          </a:p>
+        </p:txBody>
+      </p:sp>
+      <p:sp>
+        <p:nvSpPr>
+          <p:cNvPr id="9" name="29 CuadroTexto">
+            <a:extLst>
+              <a:ext uri="{FF2B5EF4-FFF2-40B4-BE49-F238E27FC236}">
+                <a16:creationId xmlns:a16="http://schemas.microsoft.com/office/drawing/2014/main" id="{C5A1D130-8974-47F8-ABB0-B854BEE25DE0}"/>
+              </a:ext>
+            </a:extLst>
+          </p:cNvPr>
+          <p:cNvSpPr txBox="1">
+            <a:spLocks noChangeArrowheads="1"/>
+          </p:cNvSpPr>
+          <p:nvPr/>
+        </p:nvSpPr>
+        <p:spPr bwMode="auto">
+          <a:xfrm>
+            <a:off x="642937" y="1700808"/>
+            <a:ext cx="7858125" cy="457200"/>
+          </a:xfrm>
+          <a:prstGeom prst="rect">
+            <a:avLst/>
+          </a:prstGeom>
+          <a:noFill/>
+          <a:ln>
+            <a:noFill/>
+          </a:ln>
+          <a:extLst>
+            <a:ext uri="{909E8E84-426E-40DD-AFC4-6F175D3DCCD1}">
+              <a14:hiddenFill xmlns:a14="http://schemas.microsoft.com/office/drawing/2010/main">
+                <a:solidFill>
+                  <a:srgbClr val="FFFFFF"/>
+                </a:solidFill>
+              </a14:hiddenFill>
+            </a:ext>
+            <a:ext uri="{91240B29-F687-4F45-9708-019B960494DF}">
+              <a14:hiddenLine xmlns:a14="http://schemas.microsoft.com/office/drawing/2010/main" w="9525">
+                <a:solidFill>
+                  <a:srgbClr val="000000"/>
+                </a:solidFill>
+                <a:miter lim="800000"/>
+                <a:headEnd/>
+                <a:tailEnd/>
+              </a14:hiddenLine>
+            </a:ext>
+          </a:extLst>
+        </p:spPr>
+        <p:txBody>
+          <a:bodyPr>
+            <a:spAutoFit/>
+          </a:bodyPr>
+          <a:lstStyle>
+            <a:lvl1pPr marL="228600" indent="-228600">
+              <a:spcBef>
+                <a:spcPct val="20000"/>
+              </a:spcBef>
+              <a:buChar char="•"/>
+              <a:defRPr sz="3200">
+                <a:solidFill>
+                  <a:schemeClr val="tx1"/>
+                </a:solidFill>
+                <a:latin typeface="Times New Roman" pitchFamily="18" charset="0"/>
+              </a:defRPr>
+            </a:lvl1pPr>
+            <a:lvl2pPr marL="742950" indent="-285750">
+              <a:spcBef>
+                <a:spcPct val="20000"/>
+              </a:spcBef>
+              <a:buChar char="–"/>
+              <a:defRPr sz="2800">
+                <a:solidFill>
+                  <a:schemeClr val="tx1"/>
+                </a:solidFill>
+                <a:latin typeface="Times New Roman" pitchFamily="18" charset="0"/>
+              </a:defRPr>
+            </a:lvl2pPr>
+            <a:lvl3pPr marL="1143000" indent="-228600">
+              <a:spcBef>
+                <a:spcPct val="20000"/>
+              </a:spcBef>
+              <a:buChar char="•"/>
+              <a:defRPr sz="2400">
+                <a:solidFill>
+                  <a:schemeClr val="tx1"/>
+                </a:solidFill>
+                <a:latin typeface="Times New Roman" pitchFamily="18" charset="0"/>
+              </a:defRPr>
+            </a:lvl3pPr>
+            <a:lvl4pPr marL="1600200" indent="-228600">
+              <a:spcBef>
+                <a:spcPct val="20000"/>
+              </a:spcBef>
+              <a:buChar char="–"/>
+              <a:defRPr sz="2000">
+                <a:solidFill>
+                  <a:schemeClr val="tx1"/>
+                </a:solidFill>
+                <a:latin typeface="Times New Roman" pitchFamily="18" charset="0"/>
+              </a:defRPr>
+            </a:lvl4pPr>
+            <a:lvl5pPr marL="2057400" indent="-228600">
+              <a:spcBef>
+                <a:spcPct val="20000"/>
+              </a:spcBef>
+              <a:buChar char="»"/>
+              <a:defRPr sz="2000">
+                <a:solidFill>
+                  <a:schemeClr val="tx1"/>
+                </a:solidFill>
+                <a:latin typeface="Times New Roman" pitchFamily="18" charset="0"/>
+              </a:defRPr>
+            </a:lvl5pPr>
+            <a:lvl6pPr marL="2514600" indent="-228600" eaLnBrk="0" fontAlgn="base" hangingPunct="0">
+              <a:spcBef>
+                <a:spcPct val="20000"/>
+              </a:spcBef>
+              <a:spcAft>
+                <a:spcPct val="0"/>
+              </a:spcAft>
+              <a:buChar char="»"/>
+              <a:defRPr sz="2000">
+                <a:solidFill>
+                  <a:schemeClr val="tx1"/>
+                </a:solidFill>
+                <a:latin typeface="Times New Roman" pitchFamily="18" charset="0"/>
+              </a:defRPr>
+            </a:lvl6pPr>
+            <a:lvl7pPr marL="2971800" indent="-228600" eaLnBrk="0" fontAlgn="base" hangingPunct="0">
+              <a:spcBef>
+                <a:spcPct val="20000"/>
+              </a:spcBef>
+              <a:spcAft>
+                <a:spcPct val="0"/>
+              </a:spcAft>
+              <a:buChar char="»"/>
+              <a:defRPr sz="2000">
+                <a:solidFill>
+                  <a:schemeClr val="tx1"/>
+                </a:solidFill>
+                <a:latin typeface="Times New Roman" pitchFamily="18" charset="0"/>
+              </a:defRPr>
+            </a:lvl7pPr>
+            <a:lvl8pPr marL="3429000" indent="-228600" eaLnBrk="0" fontAlgn="base" hangingPunct="0">
+              <a:spcBef>
+                <a:spcPct val="20000"/>
+              </a:spcBef>
+              <a:spcAft>
+                <a:spcPct val="0"/>
+              </a:spcAft>
+              <a:buChar char="»"/>
+              <a:defRPr sz="2000">
+                <a:solidFill>
+                  <a:schemeClr val="tx1"/>
+                </a:solidFill>
+                <a:latin typeface="Times New Roman" pitchFamily="18" charset="0"/>
+              </a:defRPr>
+            </a:lvl8pPr>
+            <a:lvl9pPr marL="3886200" indent="-228600" eaLnBrk="0" fontAlgn="base" hangingPunct="0">
+              <a:spcBef>
+                <a:spcPct val="20000"/>
+              </a:spcBef>
+              <a:spcAft>
+                <a:spcPct val="0"/>
+              </a:spcAft>
+              <a:buChar char="»"/>
+              <a:defRPr sz="2000">
+                <a:solidFill>
+                  <a:schemeClr val="tx1"/>
+                </a:solidFill>
+                <a:latin typeface="Times New Roman" pitchFamily="18" charset="0"/>
+              </a:defRPr>
+            </a:lvl9pPr>
+          </a:lstStyle>
+          <a:p>
+            <a:pPr algn="just">
+              <a:lnSpc>
+                <a:spcPct val="150000"/>
+              </a:lnSpc>
+              <a:buClr>
+                <a:schemeClr val="tx1"/>
+              </a:buClr>
+              <a:buSzPct val="65000"/>
+              <a:buFont typeface="Wingdings" pitchFamily="2" charset="2"/>
+              <a:buChar char="l"/>
+            </a:pPr>
+            <a:r>
+              <a:rPr lang="es-MX" altLang="es-MX" sz="1800">
+                <a:latin typeface="ZapfHumnst BT"/>
+              </a:rPr>
+              <a:t>Un cable Cat5 tiene un ancho de banda limitado a 100 Mhz.</a:t>
+            </a:r>
+            <a:endParaRPr lang="es-MX" altLang="es-MX" sz="2400"/>
+          </a:p>
+        </p:txBody>
+      </p:sp>
+      <p:sp>
+        <p:nvSpPr>
+          <p:cNvPr id="10" name="10 CuadroTexto">
+            <a:extLst>
+              <a:ext uri="{FF2B5EF4-FFF2-40B4-BE49-F238E27FC236}">
+                <a16:creationId xmlns:a16="http://schemas.microsoft.com/office/drawing/2014/main" id="{39655BC0-CE40-4639-9543-B122E985EFC8}"/>
+              </a:ext>
+            </a:extLst>
+          </p:cNvPr>
+          <p:cNvSpPr txBox="1">
+            <a:spLocks noChangeArrowheads="1"/>
+          </p:cNvSpPr>
+          <p:nvPr/>
+        </p:nvSpPr>
+        <p:spPr bwMode="auto">
+          <a:xfrm>
+            <a:off x="642937" y="2343746"/>
+            <a:ext cx="3571875" cy="2586037"/>
+          </a:xfrm>
+          <a:prstGeom prst="rect">
+            <a:avLst/>
+          </a:prstGeom>
+          <a:noFill/>
+          <a:ln>
+            <a:noFill/>
+          </a:ln>
+          <a:extLst>
+            <a:ext uri="{909E8E84-426E-40DD-AFC4-6F175D3DCCD1}">
+              <a14:hiddenFill xmlns:a14="http://schemas.microsoft.com/office/drawing/2010/main">
+                <a:solidFill>
+                  <a:srgbClr val="FFFFFF"/>
+                </a:solidFill>
+              </a14:hiddenFill>
+            </a:ext>
+            <a:ext uri="{91240B29-F687-4F45-9708-019B960494DF}">
+              <a14:hiddenLine xmlns:a14="http://schemas.microsoft.com/office/drawing/2010/main" w="9525">
+                <a:solidFill>
+                  <a:srgbClr val="000000"/>
+                </a:solidFill>
+                <a:miter lim="800000"/>
+                <a:headEnd/>
+                <a:tailEnd/>
+              </a14:hiddenLine>
+            </a:ext>
+          </a:extLst>
+        </p:spPr>
+        <p:txBody>
+          <a:bodyPr>
+            <a:spAutoFit/>
+          </a:bodyPr>
+          <a:lstStyle>
+            <a:lvl1pPr marL="228600" indent="-228600">
+              <a:spcBef>
+                <a:spcPct val="20000"/>
+              </a:spcBef>
+              <a:buChar char="•"/>
+              <a:defRPr sz="3200">
+                <a:solidFill>
+                  <a:schemeClr val="tx1"/>
+                </a:solidFill>
+                <a:latin typeface="Times New Roman" pitchFamily="18" charset="0"/>
+              </a:defRPr>
+            </a:lvl1pPr>
+            <a:lvl2pPr marL="742950" indent="-285750">
+              <a:spcBef>
+                <a:spcPct val="20000"/>
+              </a:spcBef>
+              <a:buChar char="–"/>
+              <a:defRPr sz="2800">
+                <a:solidFill>
+                  <a:schemeClr val="tx1"/>
+                </a:solidFill>
+                <a:latin typeface="Times New Roman" pitchFamily="18" charset="0"/>
+              </a:defRPr>
+            </a:lvl2pPr>
+            <a:lvl3pPr marL="1143000" indent="-228600">
+              <a:spcBef>
+                <a:spcPct val="20000"/>
+              </a:spcBef>
+              <a:buChar char="•"/>
+              <a:defRPr sz="2400">
+                <a:solidFill>
+                  <a:schemeClr val="tx1"/>
+                </a:solidFill>
+                <a:latin typeface="Times New Roman" pitchFamily="18" charset="0"/>
+              </a:defRPr>
+            </a:lvl3pPr>
+            <a:lvl4pPr marL="1600200" indent="-228600">
+              <a:spcBef>
+                <a:spcPct val="20000"/>
+              </a:spcBef>
+              <a:buChar char="–"/>
+              <a:defRPr sz="2000">
+                <a:solidFill>
+                  <a:schemeClr val="tx1"/>
+                </a:solidFill>
+                <a:latin typeface="Times New Roman" pitchFamily="18" charset="0"/>
+              </a:defRPr>
+            </a:lvl4pPr>
+            <a:lvl5pPr marL="2057400" indent="-228600">
+              <a:spcBef>
+                <a:spcPct val="20000"/>
+              </a:spcBef>
+              <a:buChar char="»"/>
+              <a:defRPr sz="2000">
+                <a:solidFill>
+                  <a:schemeClr val="tx1"/>
+                </a:solidFill>
+                <a:latin typeface="Times New Roman" pitchFamily="18" charset="0"/>
+              </a:defRPr>
+            </a:lvl5pPr>
+            <a:lvl6pPr marL="2514600" indent="-228600" eaLnBrk="0" fontAlgn="base" hangingPunct="0">
+              <a:spcBef>
+                <a:spcPct val="20000"/>
+              </a:spcBef>
+              <a:spcAft>
+                <a:spcPct val="0"/>
+              </a:spcAft>
+              <a:buChar char="»"/>
+              <a:defRPr sz="2000">
+                <a:solidFill>
+                  <a:schemeClr val="tx1"/>
+                </a:solidFill>
+                <a:latin typeface="Times New Roman" pitchFamily="18" charset="0"/>
+              </a:defRPr>
+            </a:lvl6pPr>
+            <a:lvl7pPr marL="2971800" indent="-228600" eaLnBrk="0" fontAlgn="base" hangingPunct="0">
+              <a:spcBef>
+                <a:spcPct val="20000"/>
+              </a:spcBef>
+              <a:spcAft>
+                <a:spcPct val="0"/>
+              </a:spcAft>
+              <a:buChar char="»"/>
+              <a:defRPr sz="2000">
+                <a:solidFill>
+                  <a:schemeClr val="tx1"/>
+                </a:solidFill>
+                <a:latin typeface="Times New Roman" pitchFamily="18" charset="0"/>
+              </a:defRPr>
+            </a:lvl7pPr>
+            <a:lvl8pPr marL="3429000" indent="-228600" eaLnBrk="0" fontAlgn="base" hangingPunct="0">
+              <a:spcBef>
+                <a:spcPct val="20000"/>
+              </a:spcBef>
+              <a:spcAft>
+                <a:spcPct val="0"/>
+              </a:spcAft>
+              <a:buChar char="»"/>
+              <a:defRPr sz="2000">
+                <a:solidFill>
+                  <a:schemeClr val="tx1"/>
+                </a:solidFill>
+                <a:latin typeface="Times New Roman" pitchFamily="18" charset="0"/>
+              </a:defRPr>
+            </a:lvl8pPr>
+            <a:lvl9pPr marL="3886200" indent="-228600" eaLnBrk="0" fontAlgn="base" hangingPunct="0">
+              <a:spcBef>
+                <a:spcPct val="20000"/>
+              </a:spcBef>
+              <a:spcAft>
+                <a:spcPct val="0"/>
+              </a:spcAft>
+              <a:buChar char="»"/>
+              <a:defRPr sz="2000">
+                <a:solidFill>
+                  <a:schemeClr val="tx1"/>
+                </a:solidFill>
+                <a:latin typeface="Times New Roman" pitchFamily="18" charset="0"/>
+              </a:defRPr>
+            </a:lvl9pPr>
+          </a:lstStyle>
+          <a:p>
+            <a:pPr algn="just">
+              <a:lnSpc>
+                <a:spcPct val="150000"/>
+              </a:lnSpc>
+              <a:buClr>
+                <a:schemeClr val="tx1"/>
+              </a:buClr>
+              <a:buSzPct val="65000"/>
+              <a:buFont typeface="Wingdings" pitchFamily="2" charset="2"/>
+              <a:buChar char="l"/>
+            </a:pPr>
+            <a:r>
+              <a:rPr lang="es-MX" altLang="es-MX" sz="1800">
+                <a:latin typeface="ZapfHumnst BT"/>
+              </a:rPr>
+              <a:t>No puedes insertar una señal de mayor frecuencia a 100 Mhz, ya que si le envías una frecuencia que sea mayor a este ancho de banda, la </a:t>
+            </a:r>
+            <a:r>
+              <a:rPr lang="es-MX" altLang="es-MX" sz="1800" b="1">
+                <a:latin typeface="ZapfHumnst BT"/>
+              </a:rPr>
+              <a:t>señal puede salir desfasada.</a:t>
+            </a:r>
+            <a:endParaRPr lang="es-MX" altLang="es-MX" sz="2400" b="1"/>
+          </a:p>
+        </p:txBody>
+      </p:sp>
+      <p:graphicFrame>
+        <p:nvGraphicFramePr>
+          <p:cNvPr id="11" name="Object 3">
+            <a:extLst>
+              <a:ext uri="{FF2B5EF4-FFF2-40B4-BE49-F238E27FC236}">
+                <a16:creationId xmlns:a16="http://schemas.microsoft.com/office/drawing/2014/main" id="{6B59D438-4221-457F-B9BA-22EC6B912B1D}"/>
+              </a:ext>
+            </a:extLst>
+          </p:cNvPr>
+          <p:cNvGraphicFramePr>
+            <a:graphicFrameLocks noChangeAspect="1"/>
+          </p:cNvGraphicFramePr>
+          <p:nvPr>
+            <p:extLst>
+              <p:ext uri="{D42A27DB-BD31-4B8C-83A1-F6EECF244321}">
+                <p14:modId xmlns:p14="http://schemas.microsoft.com/office/powerpoint/2010/main" val="3186406995"/>
+              </p:ext>
+            </p:extLst>
+          </p:nvPr>
+        </p:nvGraphicFramePr>
+        <p:xfrm>
+          <a:off x="4438650" y="2415183"/>
+          <a:ext cx="3848100" cy="3076575"/>
+        </p:xfrm>
+        <a:graphic>
+          <a:graphicData uri="http://schemas.openxmlformats.org/presentationml/2006/ole">
+            <mc:AlternateContent xmlns:mc="http://schemas.openxmlformats.org/markup-compatibility/2006">
+              <mc:Choice xmlns:v="urn:schemas-microsoft-com:vml" Requires="v">
+                <p:oleObj spid="_x0000_s33796" name="Bitmap Image" r:id="rId4" imgW="3848142" imgH="3076257" progId="Paint.Picture">
+                  <p:embed/>
+                </p:oleObj>
+              </mc:Choice>
+              <mc:Fallback>
+                <p:oleObj name="Bitmap Image" r:id="rId4" imgW="3848142" imgH="3076257" progId="Paint.Picture">
+                  <p:embed/>
+                  <p:pic>
+                    <p:nvPicPr>
+                      <p:cNvPr id="24583" name="Object 3"/>
+                      <p:cNvPicPr>
+                        <a:picLocks noChangeAspect="1" noChangeArrowheads="1"/>
+                      </p:cNvPicPr>
+                      <p:nvPr/>
+                    </p:nvPicPr>
+                    <p:blipFill>
+                      <a:blip r:embed="rId5">
+                        <a:extLst>
+                          <a:ext uri="{28A0092B-C50C-407E-A947-70E740481C1C}">
+                            <a14:useLocalDpi xmlns:a14="http://schemas.microsoft.com/office/drawing/2010/main" val="0"/>
+                          </a:ext>
+                        </a:extLst>
+                      </a:blip>
+                      <a:srcRect/>
+                      <a:stretch>
+                        <a:fillRect/>
+                      </a:stretch>
+                    </p:blipFill>
+                    <p:spPr bwMode="auto">
+                      <a:xfrm>
+                        <a:off x="4438650" y="2415183"/>
+                        <a:ext cx="3848100" cy="3076575"/>
+                      </a:xfrm>
+                      <a:prstGeom prst="rect">
+                        <a:avLst/>
+                      </a:prstGeom>
+                      <a:noFill/>
+                      <a:ln>
+                        <a:noFill/>
+                      </a:ln>
+                      <a:effectLst/>
+                      <a:extLst>
+                        <a:ext uri="{909E8E84-426E-40DD-AFC4-6F175D3DCCD1}">
+                          <a14:hiddenFill xmlns:a14="http://schemas.microsoft.com/office/drawing/2010/main">
+                            <a:solidFill>
+                              <a:schemeClr val="accent1"/>
+                            </a:solidFill>
+                          </a14:hiddenFill>
+                        </a:ext>
+                        <a:ext uri="{91240B29-F687-4F45-9708-019B960494DF}">
+                          <a14:hiddenLine xmlns:a14="http://schemas.microsoft.com/office/drawing/2010/main" w="9525">
+                            <a:solidFill>
+                              <a:schemeClr val="tx1"/>
+                            </a:solidFill>
+                            <a:miter lim="800000"/>
+                            <a:headEnd/>
+                            <a:tailEnd/>
+                          </a14:hiddenLine>
+                        </a:ext>
+                        <a:ext uri="{AF507438-7753-43E0-B8FC-AC1667EBCBE1}">
+                          <a14:hiddenEffects xmlns:a14="http://schemas.microsoft.com/office/drawing/2010/main">
+                            <a:effectLst>
+                              <a:outerShdw dist="35921" dir="2700000" algn="ctr" rotWithShape="0">
+                                <a:schemeClr val="bg2"/>
+                              </a:outerShdw>
+                            </a:effectLst>
+                          </a14:hiddenEffects>
+                        </a:ext>
+                      </a:extLst>
+                    </p:spPr>
+                  </p:pic>
+                </p:oleObj>
+              </mc:Fallback>
+            </mc:AlternateContent>
+          </a:graphicData>
+        </a:graphic>
+      </p:graphicFrame>
+    </p:spTree>
+    <p:extLst>
+      <p:ext uri="{BB962C8B-B14F-4D97-AF65-F5344CB8AC3E}">
+        <p14:creationId xmlns:p14="http://schemas.microsoft.com/office/powerpoint/2010/main" val="736064323"/>
+      </p:ext>
+    </p:extLst>
+  </p:cSld>
+  <p:clrMapOvr>
+    <a:masterClrMapping/>
+  </p:clrMapOvr>
+  <p:timing>
+    <p:tnLst>
+      <p:par>
+        <p:cTn id="1" dur="indefinite" restart="never" nodeType="tmRoot">
+          <p:childTnLst>
+            <p:seq concurrent="1" nextAc="seek">
+              <p:cTn id="2" dur="indefinite" nodeType="mainSeq">
+                <p:childTnLst>
+                  <p:par>
+                    <p:cTn id="3" fill="hold">
+                      <p:stCondLst>
+                        <p:cond delay="indefinite"/>
+                      </p:stCondLst>
+                      <p:childTnLst>
+                        <p:par>
+                          <p:cTn id="4" fill="hold">
+                            <p:stCondLst>
+                              <p:cond delay="0"/>
+                            </p:stCondLst>
+                            <p:childTnLst>
+                              <p:par>
+                                <p:cTn id="5" presetID="4" presetClass="entr" presetSubtype="16" fill="hold" grpId="0" nodeType="clickEffect">
+                                  <p:stCondLst>
+                                    <p:cond delay="0"/>
+                                  </p:stCondLst>
+                                  <p:childTnLst>
+                                    <p:set>
+                                      <p:cBhvr>
+                                        <p:cTn id="6" dur="1" fill="hold">
+                                          <p:stCondLst>
+                                            <p:cond delay="0"/>
+                                          </p:stCondLst>
+                                        </p:cTn>
+                                        <p:tgtEl>
+                                          <p:spTgt spid="9"/>
+                                        </p:tgtEl>
+                                        <p:attrNameLst>
+                                          <p:attrName>style.visibility</p:attrName>
+                                        </p:attrNameLst>
+                                      </p:cBhvr>
+                                      <p:to>
+                                        <p:strVal val="visible"/>
+                                      </p:to>
+                                    </p:set>
+                                    <p:animEffect transition="in" filter="box(in)">
+                                      <p:cBhvr>
+                                        <p:cTn id="7" dur="500"/>
+                                        <p:tgtEl>
+                                          <p:spTgt spid="9"/>
+                                        </p:tgtEl>
+                                      </p:cBhvr>
+                                    </p:animEffect>
+                                  </p:childTnLst>
+                                </p:cTn>
+                              </p:par>
+                            </p:childTnLst>
+                          </p:cTn>
+                        </p:par>
+                      </p:childTnLst>
+                    </p:cTn>
+                  </p:par>
+                  <p:par>
+                    <p:cTn id="8" fill="hold">
+                      <p:stCondLst>
+                        <p:cond delay="indefinite"/>
+                      </p:stCondLst>
+                      <p:childTnLst>
+                        <p:par>
+                          <p:cTn id="9" fill="hold">
+                            <p:stCondLst>
+                              <p:cond delay="0"/>
+                            </p:stCondLst>
+                            <p:childTnLst>
+                              <p:par>
+                                <p:cTn id="10" presetID="4" presetClass="entr" presetSubtype="16" fill="hold" grpId="0" nodeType="clickEffect">
+                                  <p:stCondLst>
+                                    <p:cond delay="0"/>
+                                  </p:stCondLst>
+                                  <p:childTnLst>
+                                    <p:set>
+                                      <p:cBhvr>
+                                        <p:cTn id="11" dur="1" fill="hold">
+                                          <p:stCondLst>
+                                            <p:cond delay="0"/>
+                                          </p:stCondLst>
+                                        </p:cTn>
+                                        <p:tgtEl>
+                                          <p:spTgt spid="10"/>
+                                        </p:tgtEl>
+                                        <p:attrNameLst>
+                                          <p:attrName>style.visibility</p:attrName>
+                                        </p:attrNameLst>
+                                      </p:cBhvr>
+                                      <p:to>
+                                        <p:strVal val="visible"/>
+                                      </p:to>
+                                    </p:set>
+                                    <p:animEffect transition="in" filter="box(in)">
+                                      <p:cBhvr>
+                                        <p:cTn id="12" dur="500"/>
+                                        <p:tgtEl>
+                                          <p:spTgt spid="10"/>
+                                        </p:tgtEl>
+                                      </p:cBhvr>
+                                    </p:animEffect>
+                                  </p:childTnLst>
+                                </p:cTn>
+                              </p:par>
+                            </p:childTnLst>
+                          </p:cTn>
+                        </p:par>
+                      </p:childTnLst>
+                    </p:cTn>
+                  </p:par>
+                </p:childTnLst>
+              </p:cTn>
+              <p:prevCondLst>
+                <p:cond evt="onPrev" delay="0">
+                  <p:tgtEl>
+                    <p:sldTgt/>
+                  </p:tgtEl>
+                </p:cond>
+              </p:prevCondLst>
+              <p:nextCondLst>
+                <p:cond evt="onNext" delay="0">
+                  <p:tgtEl>
+                    <p:sldTgt/>
+                  </p:tgtEl>
+                </p:cond>
+              </p:nextCondLst>
+            </p:seq>
+          </p:childTnLst>
+        </p:cTn>
+      </p:par>
+    </p:tnLst>
+    <p:bldLst>
+      <p:bldP spid="9" grpId="0"/>
+      <p:bldP spid="10" grpId="0"/>
+    </p:bldLst>
+  </p:timing>
+</p:sld>
+</file>
+
+<file path=ppt/slides/slide17.xml><?xml version="1.0" encoding="utf-8"?>
 <p:sld xmlns:a="http://schemas.openxmlformats.org/drawingml/2006/main" xmlns:r="http://schemas.openxmlformats.org/officeDocument/2006/relationships" xmlns:p="http://schemas.openxmlformats.org/presentationml/2006/main">
   <p:cSld>
     <p:spTree>
@@ -12308,7 +13982,7 @@
 </p:sld>
 </file>
 
-<file path=ppt/slides/slide17.xml><?xml version="1.0" encoding="utf-8"?>
+<file path=ppt/slides/slide18.xml><?xml version="1.0" encoding="utf-8"?>
 <p:sld xmlns:a="http://schemas.openxmlformats.org/drawingml/2006/main" xmlns:r="http://schemas.openxmlformats.org/officeDocument/2006/relationships" xmlns:p="http://schemas.openxmlformats.org/presentationml/2006/main">
   <p:cSld>
     <p:spTree>
@@ -12557,7 +14231,7 @@
 </p:sld>
 </file>
 
-<file path=ppt/slides/slide18.xml><?xml version="1.0" encoding="utf-8"?>
+<file path=ppt/slides/slide19.xml><?xml version="1.0" encoding="utf-8"?>
 <p:sld xmlns:a="http://schemas.openxmlformats.org/drawingml/2006/main" xmlns:r="http://schemas.openxmlformats.org/officeDocument/2006/relationships" xmlns:p="http://schemas.openxmlformats.org/presentationml/2006/main">
   <p:cSld>
     <p:spTree>
@@ -23275,7 +24949,7 @@
           <a:graphicData uri="http://schemas.openxmlformats.org/presentationml/2006/ole">
             <mc:AlternateContent xmlns:mc="http://schemas.openxmlformats.org/markup-compatibility/2006">
               <mc:Choice xmlns:v="urn:schemas-microsoft-com:vml" Requires="v">
-                <p:oleObj spid="_x0000_s28710" name="Imagen" r:id="rId3" imgW="3675063" imgH="1587500" progId="MS_ClipArt_Gallery.2">
+                <p:oleObj spid="_x0000_s28713" name="Imagen" r:id="rId3" imgW="3675063" imgH="1587500" progId="MS_ClipArt_Gallery.2">
                   <p:embed/>
                 </p:oleObj>
               </mc:Choice>
@@ -26038,7 +27712,7 @@
           <a:graphicData uri="http://schemas.openxmlformats.org/presentationml/2006/ole">
             <mc:AlternateContent xmlns:mc="http://schemas.openxmlformats.org/markup-compatibility/2006">
               <mc:Choice xmlns:v="urn:schemas-microsoft-com:vml" Requires="v">
-                <p:oleObj spid="_x0000_s29846" name="Imagen" r:id="rId3" imgW="3676650" imgH="1965325" progId="MS_ClipArt_Gallery.2">
+                <p:oleObj spid="_x0000_s29858" name="Imagen" r:id="rId3" imgW="3676650" imgH="1965325" progId="MS_ClipArt_Gallery.2">
                   <p:embed/>
                 </p:oleObj>
               </mc:Choice>
@@ -26205,7 +27879,7 @@
           <a:graphicData uri="http://schemas.openxmlformats.org/presentationml/2006/ole">
             <mc:AlternateContent xmlns:mc="http://schemas.openxmlformats.org/markup-compatibility/2006">
               <mc:Choice xmlns:v="urn:schemas-microsoft-com:vml" Requires="v">
-                <p:oleObj spid="_x0000_s29847" name="Imagen" r:id="rId5" imgW="2012950" imgH="977900" progId="MS_ClipArt_Gallery.2">
+                <p:oleObj spid="_x0000_s29859" name="Imagen" r:id="rId5" imgW="2012950" imgH="977900" progId="MS_ClipArt_Gallery.2">
                   <p:embed/>
                 </p:oleObj>
               </mc:Choice>
@@ -26359,7 +28033,7 @@
           <a:graphicData uri="http://schemas.openxmlformats.org/presentationml/2006/ole">
             <mc:AlternateContent xmlns:mc="http://schemas.openxmlformats.org/markup-compatibility/2006">
               <mc:Choice xmlns:v="urn:schemas-microsoft-com:vml" Requires="v">
-                <p:oleObj spid="_x0000_s29848" name="Imagen" r:id="rId7" imgW="1912938" imgH="1168400" progId="MS_ClipArt_Gallery.2">
+                <p:oleObj spid="_x0000_s29860" name="Imagen" r:id="rId7" imgW="1912938" imgH="1168400" progId="MS_ClipArt_Gallery.2">
                   <p:embed/>
                 </p:oleObj>
               </mc:Choice>
@@ -26452,7 +28126,7 @@
           <a:graphicData uri="http://schemas.openxmlformats.org/presentationml/2006/ole">
             <mc:AlternateContent xmlns:mc="http://schemas.openxmlformats.org/markup-compatibility/2006">
               <mc:Choice xmlns:v="urn:schemas-microsoft-com:vml" Requires="v">
-                <p:oleObj spid="_x0000_s29849" name="Imagen" r:id="rId9" imgW="2697163" imgH="2465388" progId="MS_ClipArt_Gallery.2">
+                <p:oleObj spid="_x0000_s29861" name="Imagen" r:id="rId9" imgW="2697163" imgH="2465388" progId="MS_ClipArt_Gallery.2">
                   <p:embed/>
                 </p:oleObj>
               </mc:Choice>
